--- a/slides/01_git_github.pptx
+++ b/slides/01_git_github.pptx
@@ -29,12 +29,13 @@
     <p:sldId id="275" r:id="rId23"/>
     <p:sldId id="285" r:id="rId24"/>
     <p:sldId id="290" r:id="rId25"/>
-    <p:sldId id="293" r:id="rId26"/>
-    <p:sldId id="294" r:id="rId27"/>
-    <p:sldId id="295" r:id="rId28"/>
-    <p:sldId id="296" r:id="rId29"/>
-    <p:sldId id="297" r:id="rId30"/>
-    <p:sldId id="281" r:id="rId31"/>
+    <p:sldId id="301" r:id="rId26"/>
+    <p:sldId id="293" r:id="rId27"/>
+    <p:sldId id="294" r:id="rId28"/>
+    <p:sldId id="295" r:id="rId29"/>
+    <p:sldId id="296" r:id="rId30"/>
+    <p:sldId id="297" r:id="rId31"/>
+    <p:sldId id="281" r:id="rId32"/>
   </p:sldIdLst>
   <p:sldSz cx="9144000" cy="6858000" type="screen4x3"/>
   <p:notesSz cx="6858000" cy="9144000"/>
@@ -3588,11 +3589,7 @@
           <a:p>
             <a:r>
               <a:rPr lang="en-US" dirty="0" smtClean="0"/>
-              <a:t>Example </a:t>
-            </a:r>
-            <a:r>
-              <a:rPr lang="en-US" dirty="0" smtClean="0"/>
-              <a:t>repo: </a:t>
+              <a:t>Example repo: </a:t>
             </a:r>
             <a:r>
               <a:rPr lang="en-US" dirty="0" smtClean="0">
@@ -3623,11 +3620,7 @@
           <a:p>
             <a:r>
               <a:rPr lang="en-US" dirty="0" smtClean="0"/>
-              <a:t>Account </a:t>
-            </a:r>
-            <a:r>
-              <a:rPr lang="en-US" dirty="0" smtClean="0"/>
-              <a:t>name, repo name, description</a:t>
+              <a:t>Account name, repo name, description</a:t>
             </a:r>
           </a:p>
           <a:p>
@@ -3997,13 +3990,8 @@
           <a:p>
             <a:r>
               <a:rPr lang="en-US" dirty="0" smtClean="0"/>
-              <a:t>Click “Create New” (plus sign</a:t>
-            </a:r>
-            <a:r>
-              <a:rPr lang="en-US" dirty="0" smtClean="0"/>
-              <a:t>) on your profile:</a:t>
-            </a:r>
-            <a:endParaRPr lang="en-US" dirty="0" smtClean="0"/>
+              <a:t>Click “Create New” (plus sign) on your profile:</a:t>
+            </a:r>
           </a:p>
           <a:p>
             <a:pPr lvl="1"/>
@@ -4399,69 +4387,99 @@
           <a:lstStyle/>
           <a:p>
             <a:r>
-              <a:rPr lang="en-US"/>
+              <a:rPr lang="en-US" dirty="0"/>
               <a:t>Installation: </a:t>
             </a:r>
             <a:r>
-              <a:rPr lang="en-US" smtClean="0">
+              <a:rPr lang="en-US" dirty="0" smtClean="0">
                 <a:hlinkClick r:id="rId2"/>
               </a:rPr>
-              <a:t>tiny.cc/</a:t>
-            </a:r>
-            <a:r>
-              <a:rPr lang="en-US" err="1" smtClean="0">
-                <a:hlinkClick r:id="rId2"/>
-              </a:rPr>
-              <a:t>installgit</a:t>
-            </a:r>
-            <a:endParaRPr lang="en-US"/>
-          </a:p>
-          <a:p>
-            <a:r>
-              <a:rPr lang="en-US" smtClean="0"/>
+              <a:t>tiny.cc/installgit</a:t>
+            </a:r>
+            <a:endParaRPr lang="en-US" dirty="0"/>
+          </a:p>
+          <a:p>
+            <a:r>
+              <a:rPr lang="en-US" dirty="0" smtClean="0"/>
               <a:t>Open </a:t>
             </a:r>
             <a:r>
-              <a:rPr lang="en-US"/>
-              <a:t>Git Bash (Windows) or Terminal (Mac/Linux</a:t>
-            </a:r>
-            <a:r>
-              <a:rPr lang="en-US" smtClean="0"/>
+              <a:rPr lang="en-US" dirty="0" err="1"/>
+              <a:t>Git</a:t>
+            </a:r>
+            <a:r>
+              <a:rPr lang="en-US" dirty="0"/>
+              <a:t> Bash (Windows) or Terminal (Mac/Linux</a:t>
+            </a:r>
+            <a:r>
+              <a:rPr lang="en-US" dirty="0" smtClean="0"/>
               <a:t>):</a:t>
             </a:r>
-            <a:endParaRPr lang="en-US"/>
+            <a:endParaRPr lang="en-US" dirty="0"/>
           </a:p>
           <a:p>
             <a:pPr lvl="1"/>
             <a:r>
-              <a:rPr lang="en-US" smtClean="0"/>
+              <a:rPr lang="en-US" dirty="0" smtClean="0"/>
               <a:t> </a:t>
             </a:r>
             <a:r>
-              <a:rPr lang="en-US" smtClean="0">
+              <a:rPr lang="en-US" dirty="0" err="1" smtClean="0">
                 <a:solidFill>
                   <a:srgbClr val="C00000"/>
                 </a:solidFill>
               </a:rPr>
-              <a:t>git </a:t>
-            </a:r>
-            <a:r>
-              <a:rPr lang="en-US">
+              <a:t>git</a:t>
+            </a:r>
+            <a:r>
+              <a:rPr lang="en-US" dirty="0" smtClean="0">
                 <a:solidFill>
                   <a:srgbClr val="C00000"/>
                 </a:solidFill>
               </a:rPr>
-              <a:t>config --global user.name “YOUR </a:t>
-            </a:r>
-            <a:r>
-              <a:rPr lang="en-US" smtClean="0">
+              <a:t> </a:t>
+            </a:r>
+            <a:r>
+              <a:rPr lang="en-US" dirty="0" err="1">
+                <a:solidFill>
+                  <a:srgbClr val="C00000"/>
+                </a:solidFill>
+              </a:rPr>
+              <a:t>config</a:t>
+            </a:r>
+            <a:r>
+              <a:rPr lang="en-US" dirty="0">
+                <a:solidFill>
+                  <a:srgbClr val="C00000"/>
+                </a:solidFill>
+              </a:rPr>
+              <a:t> --global </a:t>
+            </a:r>
+            <a:r>
+              <a:rPr lang="en-US" dirty="0" err="1">
+                <a:solidFill>
+                  <a:srgbClr val="C00000"/>
+                </a:solidFill>
+              </a:rPr>
+              <a:t>user.name</a:t>
+            </a:r>
+            <a:r>
+              <a:rPr lang="en-US" dirty="0">
+                <a:solidFill>
+                  <a:srgbClr val="C00000"/>
+                </a:solidFill>
+              </a:rPr>
+              <a:t> “YOUR </a:t>
+            </a:r>
+            <a:r>
+              <a:rPr lang="en-US" dirty="0" smtClean="0">
                 <a:solidFill>
                   <a:srgbClr val="C00000"/>
                 </a:solidFill>
               </a:rPr>
               <a:t>FULL NAME”</a:t>
             </a:r>
-            <a:endParaRPr lang="en-US">
+            <a:endParaRPr lang="en-US" dirty="0">
               <a:solidFill>
                 <a:srgbClr val="C00000"/>
               </a:solidFill>
@@ -4470,27 +4488,59 @@
           <a:p>
             <a:pPr lvl="1"/>
             <a:r>
-              <a:rPr lang="en-US" smtClean="0"/>
+              <a:rPr lang="en-US" dirty="0" smtClean="0"/>
               <a:t> </a:t>
             </a:r>
             <a:r>
-              <a:rPr lang="en-US" smtClean="0">
+              <a:rPr lang="en-US" dirty="0" err="1" smtClean="0">
                 <a:solidFill>
                   <a:srgbClr val="C00000"/>
                 </a:solidFill>
               </a:rPr>
-              <a:t>git </a:t>
-            </a:r>
-            <a:r>
-              <a:rPr lang="en-US">
+              <a:t>git</a:t>
+            </a:r>
+            <a:r>
+              <a:rPr lang="en-US" dirty="0" smtClean="0">
                 <a:solidFill>
                   <a:srgbClr val="C00000"/>
                 </a:solidFill>
               </a:rPr>
-              <a:t>config --global user.email “YOUR EMAIL</a:t>
-            </a:r>
-            <a:r>
-              <a:rPr lang="en-US" smtClean="0">
+              <a:t> </a:t>
+            </a:r>
+            <a:r>
+              <a:rPr lang="en-US" dirty="0" err="1">
+                <a:solidFill>
+                  <a:srgbClr val="C00000"/>
+                </a:solidFill>
+              </a:rPr>
+              <a:t>config</a:t>
+            </a:r>
+            <a:r>
+              <a:rPr lang="en-US" dirty="0">
+                <a:solidFill>
+                  <a:srgbClr val="C00000"/>
+                </a:solidFill>
+              </a:rPr>
+              <a:t> --global </a:t>
+            </a:r>
+            <a:r>
+              <a:rPr lang="en-US" dirty="0" err="1">
+                <a:solidFill>
+                  <a:srgbClr val="C00000"/>
+                </a:solidFill>
+              </a:rPr>
+              <a:t>user.email</a:t>
+            </a:r>
+            <a:r>
+              <a:rPr lang="en-US" dirty="0">
+                <a:solidFill>
+                  <a:srgbClr val="C00000"/>
+                </a:solidFill>
+              </a:rPr>
+              <a:t> “YOUR EMAIL</a:t>
+            </a:r>
+            <a:r>
+              <a:rPr lang="en-US" dirty="0" smtClean="0">
                 <a:solidFill>
                   <a:srgbClr val="C00000"/>
                 </a:solidFill>
@@ -4500,48 +4550,50 @@
           </a:p>
           <a:p>
             <a:r>
-              <a:rPr lang="en-US" smtClean="0"/>
-              <a:t>Use the same email address you used with your GitHub account</a:t>
-            </a:r>
-          </a:p>
-          <a:p>
-            <a:r>
-              <a:rPr lang="en-US" smtClean="0"/>
+              <a:rPr lang="en-US" dirty="0" smtClean="0"/>
+              <a:t>Use the same email address you used with your </a:t>
+            </a:r>
+            <a:r>
+              <a:rPr lang="en-US" dirty="0" err="1" smtClean="0"/>
+              <a:t>GitHub</a:t>
+            </a:r>
+            <a:r>
+              <a:rPr lang="en-US" dirty="0" smtClean="0"/>
+              <a:t> account</a:t>
+            </a:r>
+          </a:p>
+          <a:p>
+            <a:r>
+              <a:rPr lang="en-US" dirty="0" smtClean="0"/>
               <a:t>Generate </a:t>
             </a:r>
             <a:r>
-              <a:rPr lang="en-US"/>
+              <a:rPr lang="en-US" dirty="0"/>
               <a:t>SSH </a:t>
             </a:r>
             <a:r>
-              <a:rPr lang="en-US" smtClean="0"/>
+              <a:rPr lang="en-US" dirty="0" smtClean="0"/>
               <a:t>keys (optional): </a:t>
             </a:r>
             <a:r>
-              <a:rPr lang="en-US" smtClean="0">
+              <a:rPr lang="en-US" dirty="0" smtClean="0">
                 <a:hlinkClick r:id="rId3"/>
               </a:rPr>
-              <a:t>tiny.cc/</a:t>
-            </a:r>
-            <a:r>
-              <a:rPr lang="en-US" err="1" smtClean="0">
-                <a:hlinkClick r:id="rId3"/>
-              </a:rPr>
-              <a:t>gitssh</a:t>
-            </a:r>
-            <a:endParaRPr lang="en-US" smtClean="0"/>
+              <a:t>tiny.cc/gitssh</a:t>
+            </a:r>
+            <a:endParaRPr lang="en-US" dirty="0" smtClean="0"/>
           </a:p>
           <a:p>
             <a:pPr lvl="1"/>
             <a:r>
-              <a:rPr lang="en-US" smtClean="0"/>
+              <a:rPr lang="en-US" dirty="0" smtClean="0"/>
               <a:t>More secure that HTTPS</a:t>
             </a:r>
           </a:p>
           <a:p>
             <a:pPr lvl="1"/>
             <a:r>
-              <a:rPr lang="en-US" smtClean="0"/>
+              <a:rPr lang="en-US" dirty="0" smtClean="0"/>
               <a:t>Only necessary if HTTPS doesn’t work for you</a:t>
             </a:r>
           </a:p>
@@ -5962,12 +6014,12 @@
       </p:grpSpPr>
       <p:sp>
         <p:nvSpPr>
-          <p:cNvPr id="4" name="Title 3"/>
-          <p:cNvSpPr>
-            <a:spLocks noGrp="1"/>
-          </p:cNvSpPr>
-          <p:nvPr>
-            <p:ph type="ctrTitle"/>
+          <p:cNvPr id="2" name="Title 1"/>
+          <p:cNvSpPr>
+            <a:spLocks noGrp="1"/>
+          </p:cNvSpPr>
+          <p:nvPr>
+            <p:ph type="title"/>
           </p:nvPr>
         </p:nvSpPr>
         <p:spPr/>
@@ -5977,52 +6029,115 @@
           <a:p>
             <a:r>
               <a:rPr lang="en-US" dirty="0" smtClean="0"/>
-              <a:t>IV</a:t>
-            </a:r>
+              <a:t>Lab -- Before you leave	</a:t>
+            </a:r>
+            <a:endParaRPr lang="en-US" dirty="0"/>
+          </a:p>
+        </p:txBody>
+      </p:sp>
+      <p:sp>
+        <p:nvSpPr>
+          <p:cNvPr id="3" name="Content Placeholder 2"/>
+          <p:cNvSpPr>
+            <a:spLocks noGrp="1"/>
+          </p:cNvSpPr>
+          <p:nvPr>
+            <p:ph idx="1"/>
+          </p:nvPr>
+        </p:nvSpPr>
+        <p:spPr/>
+        <p:txBody>
+          <a:bodyPr>
+            <a:normAutofit lnSpcReduction="10000"/>
+          </a:bodyPr>
+          <a:lstStyle/>
+          <a:p>
             <a:r>
               <a:rPr lang="en-US" dirty="0" smtClean="0"/>
-              <a:t>. Bonus Content</a:t>
-            </a:r>
+              <a:t>Install </a:t>
+            </a:r>
+            <a:r>
+              <a:rPr lang="en-US" dirty="0" err="1" smtClean="0">
+                <a:hlinkClick r:id="rId2"/>
+              </a:rPr>
+              <a:t>Git</a:t>
+            </a:r>
+            <a:r>
+              <a:rPr lang="en-US" dirty="0" smtClean="0">
+                <a:hlinkClick r:id="rId2"/>
+              </a:rPr>
+              <a:t> </a:t>
+            </a:r>
+            <a:r>
+              <a:rPr lang="en-US" dirty="0" smtClean="0"/>
+              <a:t>on your machine</a:t>
+            </a:r>
+          </a:p>
+          <a:p>
             <a:endParaRPr lang="en-US" dirty="0"/>
           </a:p>
-        </p:txBody>
-      </p:sp>
-      <p:sp>
-        <p:nvSpPr>
-          <p:cNvPr id="5" name="Subtitle 4"/>
-          <p:cNvSpPr>
-            <a:spLocks noGrp="1"/>
-          </p:cNvSpPr>
-          <p:nvPr>
-            <p:ph type="subTitle" idx="1"/>
-          </p:nvPr>
-        </p:nvSpPr>
-        <p:spPr/>
-        <p:txBody>
-          <a:bodyPr/>
-          <a:lstStyle/>
-          <a:p>
-            <a:endParaRPr lang="en-US"/>
+          <a:p>
+            <a:r>
+              <a:rPr lang="en-US" dirty="0" smtClean="0"/>
+              <a:t>Make a </a:t>
+            </a:r>
+            <a:r>
+              <a:rPr lang="en-US" dirty="0" smtClean="0">
+                <a:hlinkClick r:id="rId3"/>
+              </a:rPr>
+              <a:t>Github </a:t>
+            </a:r>
+            <a:r>
+              <a:rPr lang="en-US" dirty="0" smtClean="0"/>
+              <a:t>Profile on the web</a:t>
+            </a:r>
+          </a:p>
+          <a:p>
+            <a:pPr marL="0" indent="0">
+              <a:buNone/>
+            </a:pPr>
+            <a:endParaRPr lang="en-US" dirty="0"/>
+          </a:p>
+          <a:p>
+            <a:r>
+              <a:rPr lang="en-US" dirty="0" smtClean="0"/>
+              <a:t>Create your own repo, call it “SF_DAT_15” and clone it to your machine</a:t>
+            </a:r>
+          </a:p>
+          <a:p>
+            <a:endParaRPr lang="en-US" dirty="0"/>
+          </a:p>
+          <a:p>
+            <a:r>
+              <a:rPr lang="en-US" dirty="0"/>
+              <a:t>Clone the </a:t>
+            </a:r>
+            <a:r>
+              <a:rPr lang="en-US" dirty="0">
+                <a:hlinkClick r:id="rId4"/>
+              </a:rPr>
+              <a:t>class </a:t>
+            </a:r>
+            <a:r>
+              <a:rPr lang="en-US" dirty="0" smtClean="0">
+                <a:hlinkClick r:id="rId4"/>
+              </a:rPr>
+              <a:t>repo</a:t>
+            </a:r>
+            <a:endParaRPr lang="en-US" dirty="0"/>
           </a:p>
         </p:txBody>
       </p:sp>
     </p:spTree>
     <p:extLst>
       <p:ext uri="{BB962C8B-B14F-4D97-AF65-F5344CB8AC3E}">
-        <p14:creationId xmlns:p14="http://schemas.microsoft.com/office/powerpoint/2010/main" val="2910544581"/>
+        <p14:creationId xmlns:p14="http://schemas.microsoft.com/office/powerpoint/2010/main" val="297258854"/>
       </p:ext>
     </p:extLst>
   </p:cSld>
   <p:clrMapOvr>
     <a:masterClrMapping/>
   </p:clrMapOvr>
-  <p:timing>
-    <p:tnLst>
-      <p:par>
-        <p:cTn xmlns:p14="http://schemas.microsoft.com/office/powerpoint/2010/main" id="1" dur="indefinite" restart="never" nodeType="tmRoot"/>
-      </p:par>
-    </p:tnLst>
-  </p:timing>
 </p:sld>
 </file>
 
@@ -6045,117 +6160,41 @@
       </p:grpSpPr>
       <p:sp>
         <p:nvSpPr>
-          <p:cNvPr id="2" name="Title 1"/>
-          <p:cNvSpPr>
-            <a:spLocks noGrp="1"/>
-          </p:cNvSpPr>
-          <p:nvPr>
-            <p:ph type="title"/>
-          </p:nvPr>
-        </p:nvSpPr>
-        <p:spPr/>
-        <p:txBody>
-          <a:bodyPr/>
-          <a:lstStyle/>
-          <a:p>
-            <a:r>
-              <a:rPr lang="en-US" smtClean="0"/>
-              <a:t>Two ways to initialize Git</a:t>
-            </a:r>
-            <a:endParaRPr lang="en-US"/>
-          </a:p>
-        </p:txBody>
-      </p:sp>
-      <p:sp>
-        <p:nvSpPr>
-          <p:cNvPr id="3" name="Content Placeholder 2"/>
-          <p:cNvSpPr>
-            <a:spLocks noGrp="1"/>
-          </p:cNvSpPr>
-          <p:nvPr>
-            <p:ph idx="1"/>
-          </p:nvPr>
-        </p:nvSpPr>
-        <p:spPr/>
-        <p:txBody>
-          <a:bodyPr/>
-          <a:lstStyle/>
-          <a:p>
-            <a:r>
-              <a:rPr lang="en-US" smtClean="0"/>
-              <a:t>Initialize on GitHub:</a:t>
-            </a:r>
-          </a:p>
-          <a:p>
-            <a:pPr lvl="1"/>
-            <a:r>
-              <a:rPr lang="en-US" smtClean="0"/>
-              <a:t>Create a repo on GitHub (with README)</a:t>
-            </a:r>
-          </a:p>
-          <a:p>
-            <a:pPr lvl="1"/>
-            <a:r>
-              <a:rPr lang="en-US" smtClean="0"/>
-              <a:t>Clone to your local machine</a:t>
-            </a:r>
-          </a:p>
-          <a:p>
-            <a:r>
-              <a:rPr lang="en-US" smtClean="0"/>
-              <a:t>Initialize locally:</a:t>
-            </a:r>
-          </a:p>
-          <a:p>
-            <a:pPr lvl="1"/>
-            <a:r>
-              <a:rPr lang="en-US" smtClean="0"/>
-              <a:t>Initialize Git in existing local directory: </a:t>
-            </a:r>
-            <a:r>
-              <a:rPr lang="en-US" smtClean="0">
-                <a:solidFill>
-                  <a:srgbClr val="C00000"/>
-                </a:solidFill>
-              </a:rPr>
-              <a:t>git </a:t>
-            </a:r>
-            <a:r>
-              <a:rPr lang="en-US" err="1" smtClean="0">
-                <a:solidFill>
-                  <a:srgbClr val="C00000"/>
-                </a:solidFill>
-              </a:rPr>
-              <a:t>init</a:t>
-            </a:r>
-            <a:endParaRPr lang="en-US" smtClean="0">
-              <a:solidFill>
-                <a:srgbClr val="C00000"/>
-              </a:solidFill>
-            </a:endParaRPr>
-          </a:p>
-          <a:p>
-            <a:pPr lvl="1"/>
-            <a:r>
-              <a:rPr lang="en-US" smtClean="0"/>
-              <a:t>Create a repo on GitHub (without README)</a:t>
-            </a:r>
-          </a:p>
-          <a:p>
-            <a:pPr lvl="1"/>
-            <a:r>
-              <a:rPr lang="en-US" smtClean="0"/>
-              <a:t>Add remote: </a:t>
-            </a:r>
-            <a:r>
-              <a:rPr lang="en-US" smtClean="0">
-                <a:solidFill>
-                  <a:srgbClr val="C00000"/>
-                </a:solidFill>
-              </a:rPr>
-              <a:t>git remote add origin &lt;URL&gt;</a:t>
-            </a:r>
-          </a:p>
+          <p:cNvPr id="4" name="Title 3"/>
+          <p:cNvSpPr>
+            <a:spLocks noGrp="1"/>
+          </p:cNvSpPr>
+          <p:nvPr>
+            <p:ph type="ctrTitle"/>
+          </p:nvPr>
+        </p:nvSpPr>
+        <p:spPr/>
+        <p:txBody>
+          <a:bodyPr/>
+          <a:lstStyle/>
+          <a:p>
+            <a:r>
+              <a:rPr lang="en-US" dirty="0" smtClean="0"/>
+              <a:t>IV. Bonus Content</a:t>
+            </a:r>
+            <a:endParaRPr lang="en-US" dirty="0"/>
+          </a:p>
+        </p:txBody>
+      </p:sp>
+      <p:sp>
+        <p:nvSpPr>
+          <p:cNvPr id="5" name="Subtitle 4"/>
+          <p:cNvSpPr>
+            <a:spLocks noGrp="1"/>
+          </p:cNvSpPr>
+          <p:nvPr>
+            <p:ph type="subTitle" idx="1"/>
+          </p:nvPr>
+        </p:nvSpPr>
+        <p:spPr/>
+        <p:txBody>
+          <a:bodyPr/>
+          <a:lstStyle/>
           <a:p>
             <a:endParaRPr lang="en-US"/>
           </a:p>
@@ -6164,7 +6203,7 @@
     </p:spTree>
     <p:extLst>
       <p:ext uri="{BB962C8B-B14F-4D97-AF65-F5344CB8AC3E}">
-        <p14:creationId xmlns:p14="http://schemas.microsoft.com/office/powerpoint/2010/main" val="1526738873"/>
+        <p14:creationId xmlns:p14="http://schemas.microsoft.com/office/powerpoint/2010/main" val="2910544581"/>
       </p:ext>
     </p:extLst>
   </p:cSld>
@@ -6215,7 +6254,7 @@
           <a:p>
             <a:r>
               <a:rPr lang="en-US" smtClean="0"/>
-              <a:t>Deleting or moving a repo</a:t>
+              <a:t>Two ways to initialize Git</a:t>
             </a:r>
             <a:endParaRPr lang="en-US"/>
           </a:p>
@@ -6238,41 +6277,80 @@
           <a:p>
             <a:r>
               <a:rPr lang="en-US" smtClean="0"/>
-              <a:t>Deleting a GitHub repo:</a:t>
+              <a:t>Initialize on GitHub:</a:t>
             </a:r>
           </a:p>
           <a:p>
             <a:pPr lvl="1"/>
             <a:r>
               <a:rPr lang="en-US" smtClean="0"/>
-              <a:t>Settings, then Delete</a:t>
-            </a:r>
-          </a:p>
-          <a:p>
-            <a:r>
-              <a:rPr lang="en-US" smtClean="0"/>
-              <a:t>Deleting a local repo:</a:t>
+              <a:t>Create a repo on GitHub (with README)</a:t>
             </a:r>
           </a:p>
           <a:p>
             <a:pPr lvl="1"/>
             <a:r>
               <a:rPr lang="en-US" smtClean="0"/>
-              <a:t>Just delete the folder!</a:t>
-            </a:r>
-          </a:p>
-          <a:p>
-            <a:r>
-              <a:rPr lang="en-US" smtClean="0"/>
-              <a:t>Moving a local repo:</a:t>
+              <a:t>Clone to your local machine</a:t>
+            </a:r>
+          </a:p>
+          <a:p>
+            <a:r>
+              <a:rPr lang="en-US" smtClean="0"/>
+              <a:t>Initialize locally:</a:t>
             </a:r>
           </a:p>
           <a:p>
             <a:pPr lvl="1"/>
             <a:r>
               <a:rPr lang="en-US" smtClean="0"/>
-              <a:t>Just move the folder!</a:t>
-            </a:r>
+              <a:t>Initialize Git in existing local directory: </a:t>
+            </a:r>
+            <a:r>
+              <a:rPr lang="en-US" smtClean="0">
+                <a:solidFill>
+                  <a:srgbClr val="C00000"/>
+                </a:solidFill>
+              </a:rPr>
+              <a:t>git </a:t>
+            </a:r>
+            <a:r>
+              <a:rPr lang="en-US" err="1" smtClean="0">
+                <a:solidFill>
+                  <a:srgbClr val="C00000"/>
+                </a:solidFill>
+              </a:rPr>
+              <a:t>init</a:t>
+            </a:r>
+            <a:endParaRPr lang="en-US" smtClean="0">
+              <a:solidFill>
+                <a:srgbClr val="C00000"/>
+              </a:solidFill>
+            </a:endParaRPr>
+          </a:p>
+          <a:p>
+            <a:pPr lvl="1"/>
+            <a:r>
+              <a:rPr lang="en-US" smtClean="0"/>
+              <a:t>Create a repo on GitHub (without README)</a:t>
+            </a:r>
+          </a:p>
+          <a:p>
+            <a:pPr lvl="1"/>
+            <a:r>
+              <a:rPr lang="en-US" smtClean="0"/>
+              <a:t>Add remote: </a:t>
+            </a:r>
+            <a:r>
+              <a:rPr lang="en-US" smtClean="0">
+                <a:solidFill>
+                  <a:srgbClr val="C00000"/>
+                </a:solidFill>
+              </a:rPr>
+              <a:t>git remote add origin &lt;URL&gt;</a:t>
+            </a:r>
+          </a:p>
+          <a:p>
             <a:endParaRPr lang="en-US"/>
           </a:p>
         </p:txBody>
@@ -6280,7 +6358,7 @@
     </p:spTree>
     <p:extLst>
       <p:ext uri="{BB962C8B-B14F-4D97-AF65-F5344CB8AC3E}">
-        <p14:creationId xmlns:p14="http://schemas.microsoft.com/office/powerpoint/2010/main" val="910434589"/>
+        <p14:creationId xmlns:p14="http://schemas.microsoft.com/office/powerpoint/2010/main" val="1526738873"/>
       </p:ext>
     </p:extLst>
   </p:cSld>
@@ -6331,7 +6409,7 @@
           <a:p>
             <a:r>
               <a:rPr lang="en-US" smtClean="0"/>
-              <a:t>Excluding files from a repo</a:t>
+              <a:t>Deleting or moving a repo</a:t>
             </a:r>
             <a:endParaRPr lang="en-US"/>
           </a:p>
@@ -6354,106 +6432,40 @@
           <a:p>
             <a:r>
               <a:rPr lang="en-US" smtClean="0"/>
-              <a:t>Create a “.</a:t>
-            </a:r>
-            <a:r>
-              <a:rPr lang="en-US" err="1" smtClean="0"/>
-              <a:t>gitignore</a:t>
-            </a:r>
-            <a:r>
-              <a:rPr lang="en-US" smtClean="0"/>
-              <a:t>” file in your repo: </a:t>
-            </a:r>
-            <a:r>
-              <a:rPr lang="en-US" smtClean="0">
-                <a:solidFill>
-                  <a:srgbClr val="C00000"/>
-                </a:solidFill>
-              </a:rPr>
-              <a:t>touch .</a:t>
-            </a:r>
-            <a:r>
-              <a:rPr lang="en-US" err="1" smtClean="0">
-                <a:solidFill>
-                  <a:srgbClr val="C00000"/>
-                </a:solidFill>
-              </a:rPr>
-              <a:t>gitignore</a:t>
-            </a:r>
-            <a:endParaRPr lang="en-US" smtClean="0">
-              <a:solidFill>
-                <a:srgbClr val="C00000"/>
-              </a:solidFill>
-            </a:endParaRPr>
-          </a:p>
-          <a:p>
-            <a:r>
-              <a:rPr lang="en-US" smtClean="0"/>
-              <a:t>Specify exclusions, one per line:</a:t>
+              <a:t>Deleting a GitHub repo:</a:t>
             </a:r>
           </a:p>
           <a:p>
             <a:pPr lvl="1"/>
             <a:r>
               <a:rPr lang="en-US" smtClean="0"/>
-              <a:t>Single files: pip-log.txt</a:t>
+              <a:t>Settings, then Delete</a:t>
+            </a:r>
+          </a:p>
+          <a:p>
+            <a:r>
+              <a:rPr lang="en-US" smtClean="0"/>
+              <a:t>Deleting a local repo:</a:t>
             </a:r>
           </a:p>
           <a:p>
             <a:pPr lvl="1"/>
             <a:r>
               <a:rPr lang="en-US" smtClean="0"/>
-              <a:t>All files with a matching extension: *.</a:t>
-            </a:r>
-            <a:r>
-              <a:rPr lang="en-US" err="1" smtClean="0"/>
-              <a:t>pyc</a:t>
-            </a:r>
-            <a:endParaRPr lang="en-US" smtClean="0"/>
+              <a:t>Just delete the folder!</a:t>
+            </a:r>
+          </a:p>
+          <a:p>
+            <a:r>
+              <a:rPr lang="en-US" smtClean="0"/>
+              <a:t>Moving a local repo:</a:t>
+            </a:r>
           </a:p>
           <a:p>
             <a:pPr lvl="1"/>
             <a:r>
               <a:rPr lang="en-US" smtClean="0"/>
-              <a:t>Directories: </a:t>
-            </a:r>
-            <a:r>
-              <a:rPr lang="en-US" err="1" smtClean="0"/>
-              <a:t>env</a:t>
-            </a:r>
-            <a:r>
-              <a:rPr lang="en-US" smtClean="0"/>
-              <a:t>/</a:t>
-            </a:r>
-          </a:p>
-          <a:p>
-            <a:r>
-              <a:rPr lang="en-US"/>
-              <a:t>Templates: </a:t>
-            </a:r>
-            <a:r>
-              <a:rPr lang="en-US" smtClean="0">
-                <a:hlinkClick r:id="rId2"/>
-              </a:rPr>
-              <a:t>github.com/</a:t>
-            </a:r>
-            <a:r>
-              <a:rPr lang="en-US" err="1" smtClean="0">
-                <a:hlinkClick r:id="rId2"/>
-              </a:rPr>
-              <a:t>github</a:t>
-            </a:r>
-            <a:r>
-              <a:rPr lang="en-US" smtClean="0">
-                <a:hlinkClick r:id="rId2"/>
-              </a:rPr>
-              <a:t>/</a:t>
-            </a:r>
-            <a:r>
-              <a:rPr lang="en-US" err="1" smtClean="0">
-                <a:hlinkClick r:id="rId2"/>
-              </a:rPr>
-              <a:t>gitignore</a:t>
+              <a:t>Just move the folder!</a:t>
             </a:r>
             <a:endParaRPr lang="en-US"/>
           </a:p>
@@ -6462,7 +6474,7 @@
     </p:spTree>
     <p:extLst>
       <p:ext uri="{BB962C8B-B14F-4D97-AF65-F5344CB8AC3E}">
-        <p14:creationId xmlns:p14="http://schemas.microsoft.com/office/powerpoint/2010/main" val="487328359"/>
+        <p14:creationId xmlns:p14="http://schemas.microsoft.com/office/powerpoint/2010/main" val="910434589"/>
       </p:ext>
     </p:extLst>
   </p:cSld>
@@ -6512,86 +6524,130 @@
           <a:lstStyle/>
           <a:p>
             <a:r>
+              <a:rPr lang="en-US" smtClean="0"/>
+              <a:t>Excluding files from a repo</a:t>
+            </a:r>
+            <a:endParaRPr lang="en-US"/>
+          </a:p>
+        </p:txBody>
+      </p:sp>
+      <p:sp>
+        <p:nvSpPr>
+          <p:cNvPr id="3" name="Content Placeholder 2"/>
+          <p:cNvSpPr>
+            <a:spLocks noGrp="1"/>
+          </p:cNvSpPr>
+          <p:nvPr>
+            <p:ph idx="1"/>
+          </p:nvPr>
+        </p:nvSpPr>
+        <p:spPr/>
+        <p:txBody>
+          <a:bodyPr/>
+          <a:lstStyle/>
+          <a:p>
+            <a:r>
+              <a:rPr lang="en-US" smtClean="0"/>
+              <a:t>Create a “.</a:t>
+            </a:r>
+            <a:r>
               <a:rPr lang="en-US" err="1" smtClean="0"/>
-              <a:t>Gists</a:t>
-            </a:r>
-            <a:r>
-              <a:rPr lang="en-US" smtClean="0"/>
-              <a:t>: lightweight repos</a:t>
-            </a:r>
-            <a:endParaRPr lang="en-US"/>
-          </a:p>
-        </p:txBody>
-      </p:sp>
-      <p:sp>
-        <p:nvSpPr>
-          <p:cNvPr id="3" name="Content Placeholder 2"/>
-          <p:cNvSpPr>
-            <a:spLocks noGrp="1"/>
-          </p:cNvSpPr>
-          <p:nvPr>
-            <p:ph idx="1"/>
-          </p:nvPr>
-        </p:nvSpPr>
-        <p:spPr/>
-        <p:txBody>
-          <a:bodyPr/>
-          <a:lstStyle/>
-          <a:p>
-            <a:r>
-              <a:rPr lang="en-US" smtClean="0"/>
-              <a:t>You have access to Gist</a:t>
-            </a:r>
+              <a:t>gitignore</a:t>
+            </a:r>
+            <a:r>
+              <a:rPr lang="en-US" smtClean="0"/>
+              <a:t>” file in your repo: </a:t>
+            </a:r>
+            <a:r>
+              <a:rPr lang="en-US" smtClean="0">
+                <a:solidFill>
+                  <a:srgbClr val="C00000"/>
+                </a:solidFill>
+              </a:rPr>
+              <a:t>touch .</a:t>
+            </a:r>
+            <a:r>
+              <a:rPr lang="en-US" err="1" smtClean="0">
+                <a:solidFill>
+                  <a:srgbClr val="C00000"/>
+                </a:solidFill>
+              </a:rPr>
+              <a:t>gitignore</a:t>
+            </a:r>
+            <a:endParaRPr lang="en-US" smtClean="0">
+              <a:solidFill>
+                <a:srgbClr val="C00000"/>
+              </a:solidFill>
+            </a:endParaRPr>
+          </a:p>
+          <a:p>
+            <a:r>
+              <a:rPr lang="en-US" smtClean="0"/>
+              <a:t>Specify exclusions, one per line:</a:t>
+            </a:r>
+          </a:p>
+          <a:p>
+            <a:pPr lvl="1"/>
+            <a:r>
+              <a:rPr lang="en-US" smtClean="0"/>
+              <a:t>Single files: pip-log.txt</a:t>
+            </a:r>
+          </a:p>
+          <a:p>
+            <a:pPr lvl="1"/>
+            <a:r>
+              <a:rPr lang="en-US" smtClean="0"/>
+              <a:t>All files with a matching extension: *.</a:t>
+            </a:r>
+            <a:r>
+              <a:rPr lang="en-US" err="1" smtClean="0"/>
+              <a:t>pyc</a:t>
+            </a:r>
+            <a:endParaRPr lang="en-US" smtClean="0"/>
+          </a:p>
+          <a:p>
+            <a:pPr lvl="1"/>
+            <a:r>
+              <a:rPr lang="en-US" smtClean="0"/>
+              <a:t>Directories: </a:t>
+            </a:r>
+            <a:r>
+              <a:rPr lang="en-US" err="1" smtClean="0"/>
+              <a:t>env</a:t>
+            </a:r>
+            <a:r>
+              <a:rPr lang="en-US" smtClean="0"/>
+              <a:t>/</a:t>
+            </a:r>
+          </a:p>
+          <a:p>
             <a:r>
               <a:rPr lang="en-US"/>
-              <a:t>: </a:t>
+              <a:t>Templates: </a:t>
             </a:r>
             <a:r>
               <a:rPr lang="en-US" smtClean="0">
                 <a:hlinkClick r:id="rId2"/>
               </a:rPr>
-              <a:t>gist.github.com</a:t>
-            </a:r>
-            <a:endParaRPr lang="en-US" smtClean="0"/>
-          </a:p>
-          <a:p>
-            <a:r>
-              <a:rPr lang="en-US" smtClean="0"/>
-              <a:t>Add one or more files</a:t>
-            </a:r>
-          </a:p>
-          <a:p>
-            <a:r>
-              <a:rPr lang="en-US" smtClean="0"/>
-              <a:t>Supports cloning, forking, commenting, committing</a:t>
-            </a:r>
-          </a:p>
-          <a:p>
-            <a:r>
-              <a:rPr lang="en-US" smtClean="0"/>
-              <a:t>Can be public or secret (not private)</a:t>
-            </a:r>
-          </a:p>
-          <a:p>
-            <a:r>
-              <a:rPr lang="en-US" smtClean="0"/>
-              <a:t>Useful for snippets, embedding, </a:t>
-            </a:r>
-            <a:r>
-              <a:rPr lang="en-US" err="1" smtClean="0"/>
-              <a:t>IPython</a:t>
-            </a:r>
-            <a:r>
-              <a:rPr lang="en-US" smtClean="0"/>
-              <a:t> </a:t>
-            </a:r>
-            <a:r>
-              <a:rPr lang="en-US" err="1" smtClean="0"/>
-              <a:t>nbviewer</a:t>
-            </a:r>
-            <a:r>
-              <a:rPr lang="en-US" smtClean="0"/>
-              <a:t>, etc.</a:t>
+              <a:t>github.com/</a:t>
+            </a:r>
+            <a:r>
+              <a:rPr lang="en-US" err="1" smtClean="0">
+                <a:hlinkClick r:id="rId2"/>
+              </a:rPr>
+              <a:t>github</a:t>
+            </a:r>
+            <a:r>
+              <a:rPr lang="en-US" smtClean="0">
+                <a:hlinkClick r:id="rId2"/>
+              </a:rPr>
+              <a:t>/</a:t>
+            </a:r>
+            <a:r>
+              <a:rPr lang="en-US" err="1" smtClean="0">
+                <a:hlinkClick r:id="rId2"/>
+              </a:rPr>
+              <a:t>gitignore</a:t>
             </a:r>
             <a:endParaRPr lang="en-US"/>
           </a:p>
@@ -6600,7 +6656,7 @@
     </p:spTree>
     <p:extLst>
       <p:ext uri="{BB962C8B-B14F-4D97-AF65-F5344CB8AC3E}">
-        <p14:creationId xmlns:p14="http://schemas.microsoft.com/office/powerpoint/2010/main" val="1993830181"/>
+        <p14:creationId xmlns:p14="http://schemas.microsoft.com/office/powerpoint/2010/main" val="487328359"/>
       </p:ext>
     </p:extLst>
   </p:cSld>
@@ -6697,6 +6753,144 @@
 </file>
 
 <file path=ppt/slides/slide30.xml><?xml version="1.0" encoding="utf-8"?>
+<p:sld xmlns:a="http://schemas.openxmlformats.org/drawingml/2006/main" xmlns:r="http://schemas.openxmlformats.org/officeDocument/2006/relationships" xmlns:p="http://schemas.openxmlformats.org/presentationml/2006/main">
+  <p:cSld>
+    <p:spTree>
+      <p:nvGrpSpPr>
+        <p:cNvPr id="1" name=""/>
+        <p:cNvGrpSpPr/>
+        <p:nvPr/>
+      </p:nvGrpSpPr>
+      <p:grpSpPr>
+        <a:xfrm>
+          <a:off x="0" y="0"/>
+          <a:ext cx="0" cy="0"/>
+          <a:chOff x="0" y="0"/>
+          <a:chExt cx="0" cy="0"/>
+        </a:xfrm>
+      </p:grpSpPr>
+      <p:sp>
+        <p:nvSpPr>
+          <p:cNvPr id="2" name="Title 1"/>
+          <p:cNvSpPr>
+            <a:spLocks noGrp="1"/>
+          </p:cNvSpPr>
+          <p:nvPr>
+            <p:ph type="title"/>
+          </p:nvPr>
+        </p:nvSpPr>
+        <p:spPr/>
+        <p:txBody>
+          <a:bodyPr/>
+          <a:lstStyle/>
+          <a:p>
+            <a:r>
+              <a:rPr lang="en-US" err="1" smtClean="0"/>
+              <a:t>Gists</a:t>
+            </a:r>
+            <a:r>
+              <a:rPr lang="en-US" smtClean="0"/>
+              <a:t>: lightweight repos</a:t>
+            </a:r>
+            <a:endParaRPr lang="en-US"/>
+          </a:p>
+        </p:txBody>
+      </p:sp>
+      <p:sp>
+        <p:nvSpPr>
+          <p:cNvPr id="3" name="Content Placeholder 2"/>
+          <p:cNvSpPr>
+            <a:spLocks noGrp="1"/>
+          </p:cNvSpPr>
+          <p:nvPr>
+            <p:ph idx="1"/>
+          </p:nvPr>
+        </p:nvSpPr>
+        <p:spPr/>
+        <p:txBody>
+          <a:bodyPr/>
+          <a:lstStyle/>
+          <a:p>
+            <a:r>
+              <a:rPr lang="en-US" smtClean="0"/>
+              <a:t>You have access to Gist</a:t>
+            </a:r>
+            <a:r>
+              <a:rPr lang="en-US"/>
+              <a:t>: </a:t>
+            </a:r>
+            <a:r>
+              <a:rPr lang="en-US" smtClean="0">
+                <a:hlinkClick r:id="rId2"/>
+              </a:rPr>
+              <a:t>gist.github.com</a:t>
+            </a:r>
+            <a:endParaRPr lang="en-US" smtClean="0"/>
+          </a:p>
+          <a:p>
+            <a:r>
+              <a:rPr lang="en-US" smtClean="0"/>
+              <a:t>Add one or more files</a:t>
+            </a:r>
+          </a:p>
+          <a:p>
+            <a:r>
+              <a:rPr lang="en-US" smtClean="0"/>
+              <a:t>Supports cloning, forking, commenting, committing</a:t>
+            </a:r>
+          </a:p>
+          <a:p>
+            <a:r>
+              <a:rPr lang="en-US" smtClean="0"/>
+              <a:t>Can be public or secret (not private)</a:t>
+            </a:r>
+          </a:p>
+          <a:p>
+            <a:r>
+              <a:rPr lang="en-US" smtClean="0"/>
+              <a:t>Useful for snippets, embedding, </a:t>
+            </a:r>
+            <a:r>
+              <a:rPr lang="en-US" err="1" smtClean="0"/>
+              <a:t>IPython</a:t>
+            </a:r>
+            <a:r>
+              <a:rPr lang="en-US" smtClean="0"/>
+              <a:t> </a:t>
+            </a:r>
+            <a:r>
+              <a:rPr lang="en-US" err="1" smtClean="0"/>
+              <a:t>nbviewer</a:t>
+            </a:r>
+            <a:r>
+              <a:rPr lang="en-US" smtClean="0"/>
+              <a:t>, etc.</a:t>
+            </a:r>
+            <a:endParaRPr lang="en-US"/>
+          </a:p>
+        </p:txBody>
+      </p:sp>
+    </p:spTree>
+    <p:extLst>
+      <p:ext uri="{BB962C8B-B14F-4D97-AF65-F5344CB8AC3E}">
+        <p14:creationId xmlns:p14="http://schemas.microsoft.com/office/powerpoint/2010/main" val="1993830181"/>
+      </p:ext>
+    </p:extLst>
+  </p:cSld>
+  <p:clrMapOvr>
+    <a:masterClrMapping/>
+  </p:clrMapOvr>
+  <p:timing>
+    <p:tnLst>
+      <p:par>
+        <p:cTn xmlns:p14="http://schemas.microsoft.com/office/powerpoint/2010/main" id="1" dur="indefinite" restart="never" nodeType="tmRoot"/>
+      </p:par>
+    </p:tnLst>
+  </p:timing>
+</p:sld>
+</file>
+
+<file path=ppt/slides/slide31.xml><?xml version="1.0" encoding="utf-8"?>
 <p:sld xmlns:a="http://schemas.openxmlformats.org/drawingml/2006/main" xmlns:r="http://schemas.openxmlformats.org/officeDocument/2006/relationships" xmlns:p="http://schemas.openxmlformats.org/presentationml/2006/main">
   <p:cSld>
     <p:spTree>

--- a/slides/01_git_github.pptx
+++ b/slides/01_git_github.pptx
@@ -3913,13 +3913,56 @@
             </a:r>
           </a:p>
           <a:p>
+            <a:endParaRPr lang="en-US" dirty="0" smtClean="0"/>
+          </a:p>
+          <a:p>
             <a:endParaRPr lang="en-US" dirty="0"/>
           </a:p>
           <a:p>
+            <a:endParaRPr lang="en-US" dirty="0" smtClean="0"/>
+          </a:p>
+          <a:p>
+            <a:r>
+              <a:rPr lang="en-US" dirty="0" smtClean="0"/>
+              <a:t>Remember your email and password!!!!</a:t>
+            </a:r>
             <a:endParaRPr lang="en-US" dirty="0"/>
           </a:p>
-        </p:txBody>
-      </p:sp>
+          <a:p>
+            <a:endParaRPr lang="en-US" dirty="0"/>
+          </a:p>
+        </p:txBody>
+      </p:sp>
+      <p:pic>
+        <p:nvPicPr>
+          <p:cNvPr id="5" name="Picture 4" descr="Screenshot 2015-06-15 19.56.09.png"/>
+          <p:cNvPicPr>
+            <a:picLocks noChangeAspect="1"/>
+          </p:cNvPicPr>
+          <p:nvPr/>
+        </p:nvPicPr>
+        <p:blipFill>
+          <a:blip r:embed="rId2">
+            <a:extLst>
+              <a:ext uri="{28A0092B-C50C-407E-A947-70E740481C1C}">
+                <a14:useLocalDpi xmlns:a14="http://schemas.microsoft.com/office/drawing/2010/main" val="0"/>
+              </a:ext>
+            </a:extLst>
+          </a:blip>
+          <a:stretch>
+            <a:fillRect/>
+          </a:stretch>
+        </p:blipFill>
+        <p:spPr>
+          <a:xfrm>
+            <a:off x="0" y="4038600"/>
+            <a:ext cx="9144000" cy="917931"/>
+          </a:xfrm>
+          <a:prstGeom prst="rect">
+            <a:avLst/>
+          </a:prstGeom>
+        </p:spPr>
+      </p:pic>
     </p:spTree>
     <p:extLst>
       <p:ext uri="{BB962C8B-B14F-4D97-AF65-F5344CB8AC3E}">
@@ -4062,6 +4105,36 @@
           </a:p>
         </p:txBody>
       </p:sp>
+      <p:pic>
+        <p:nvPicPr>
+          <p:cNvPr id="4" name="Picture 3" descr="Screenshot 2015-06-15 19.54.47.png"/>
+          <p:cNvPicPr>
+            <a:picLocks noChangeAspect="1"/>
+          </p:cNvPicPr>
+          <p:nvPr/>
+        </p:nvPicPr>
+        <p:blipFill>
+          <a:blip r:embed="rId2">
+            <a:extLst>
+              <a:ext uri="{28A0092B-C50C-407E-A947-70E740481C1C}">
+                <a14:useLocalDpi xmlns:a14="http://schemas.microsoft.com/office/drawing/2010/main" val="0"/>
+              </a:ext>
+            </a:extLst>
+          </a:blip>
+          <a:stretch>
+            <a:fillRect/>
+          </a:stretch>
+        </p:blipFill>
+        <p:spPr>
+          <a:xfrm>
+            <a:off x="6705600" y="4883308"/>
+            <a:ext cx="2438400" cy="1822292"/>
+          </a:xfrm>
+          <a:prstGeom prst="rect">
+            <a:avLst/>
+          </a:prstGeom>
+        </p:spPr>
+      </p:pic>
     </p:spTree>
     <p:extLst>
       <p:ext uri="{BB962C8B-B14F-4D97-AF65-F5344CB8AC3E}">
@@ -4677,27 +4750,76 @@
           <a:lstStyle/>
           <a:p>
             <a:r>
-              <a:rPr lang="en-US" smtClean="0"/>
-              <a:t>Copy your new GitHub repo to your computer</a:t>
-            </a:r>
-          </a:p>
-          <a:p>
-            <a:r>
-              <a:rPr lang="en-US" smtClean="0"/>
+              <a:rPr lang="en-US" dirty="0" smtClean="0"/>
+              <a:t>Copy (“</a:t>
+            </a:r>
+            <a:r>
+              <a:rPr lang="en-US" b="1" dirty="0" smtClean="0"/>
+              <a:t>clone</a:t>
+            </a:r>
+            <a:r>
+              <a:rPr lang="en-US" dirty="0" smtClean="0"/>
+              <a:t>”) </a:t>
+            </a:r>
+            <a:r>
+              <a:rPr lang="en-US" dirty="0" smtClean="0"/>
+              <a:t>your new </a:t>
+            </a:r>
+            <a:r>
+              <a:rPr lang="en-US" dirty="0" err="1" smtClean="0"/>
+              <a:t>GitHub</a:t>
+            </a:r>
+            <a:r>
+              <a:rPr lang="en-US" dirty="0" smtClean="0"/>
+              <a:t> repo to your computer</a:t>
+            </a:r>
+          </a:p>
+          <a:p>
+            <a:r>
+              <a:rPr lang="en-US" dirty="0" smtClean="0"/>
               <a:t>Make some file changes locally</a:t>
             </a:r>
           </a:p>
           <a:p>
             <a:r>
-              <a:rPr lang="en-US" smtClean="0"/>
-              <a:t>Save those changes locally (“commit” them)</a:t>
-            </a:r>
-          </a:p>
-          <a:p>
-            <a:r>
-              <a:rPr lang="en-US" smtClean="0"/>
-              <a:t>Update your GitHub repo with those changes</a:t>
-            </a:r>
+              <a:rPr lang="en-US" dirty="0" smtClean="0"/>
+              <a:t>Save those changes locally (“</a:t>
+            </a:r>
+            <a:r>
+              <a:rPr lang="en-US" b="1" dirty="0" smtClean="0"/>
+              <a:t>commit</a:t>
+            </a:r>
+            <a:r>
+              <a:rPr lang="en-US" dirty="0" smtClean="0"/>
+              <a:t>” them)</a:t>
+            </a:r>
+          </a:p>
+          <a:p>
+            <a:r>
+              <a:rPr lang="en-US" dirty="0" smtClean="0"/>
+              <a:t>Update your </a:t>
+            </a:r>
+            <a:r>
+              <a:rPr lang="en-US" dirty="0" err="1" smtClean="0"/>
+              <a:t>GitHub</a:t>
+            </a:r>
+            <a:r>
+              <a:rPr lang="en-US" dirty="0" smtClean="0"/>
+              <a:t> repo with those </a:t>
+            </a:r>
+            <a:r>
+              <a:rPr lang="en-US" dirty="0" smtClean="0"/>
+              <a:t>changes (“</a:t>
+            </a:r>
+            <a:r>
+              <a:rPr lang="en-US" b="1" dirty="0" smtClean="0"/>
+              <a:t>push</a:t>
+            </a:r>
+            <a:r>
+              <a:rPr lang="en-US" dirty="0" smtClean="0"/>
+              <a:t>”)</a:t>
+            </a:r>
+            <a:endParaRPr lang="en-US" dirty="0" smtClean="0"/>
           </a:p>
         </p:txBody>
       </p:sp>
@@ -4779,24 +4901,40 @@
           <a:lstStyle/>
           <a:p>
             <a:r>
-              <a:rPr lang="en-US" smtClean="0"/>
-              <a:t>Cloning = copying to your local computer</a:t>
+              <a:rPr lang="en-US" dirty="0" smtClean="0"/>
+              <a:t>Cloning </a:t>
+            </a:r>
+            <a:r>
+              <a:rPr lang="en-US" dirty="0" smtClean="0"/>
+              <a:t>== </a:t>
+            </a:r>
+            <a:r>
+              <a:rPr lang="en-US" dirty="0" smtClean="0"/>
+              <a:t>copying to your local computer</a:t>
             </a:r>
           </a:p>
           <a:p>
             <a:pPr lvl="1"/>
             <a:r>
-              <a:rPr lang="en-US" smtClean="0"/>
-              <a:t>Like copying your Dropbox files to a new machine</a:t>
-            </a:r>
-          </a:p>
-          <a:p>
-            <a:r>
-              <a:rPr lang="en-US" smtClean="0"/>
+              <a:rPr lang="en-US" dirty="0" smtClean="0"/>
+              <a:t>Like copying your </a:t>
+            </a:r>
+            <a:r>
+              <a:rPr lang="en-US" dirty="0" err="1" smtClean="0"/>
+              <a:t>Dropbox</a:t>
+            </a:r>
+            <a:r>
+              <a:rPr lang="en-US" dirty="0" smtClean="0"/>
+              <a:t> files to a new machine</a:t>
+            </a:r>
+          </a:p>
+          <a:p>
+            <a:r>
+              <a:rPr lang="en-US" dirty="0" smtClean="0"/>
               <a:t>First, change your working directory to where you want the repo you created to be stored: </a:t>
             </a:r>
             <a:r>
-              <a:rPr lang="en-US" smtClean="0">
+              <a:rPr lang="en-US" dirty="0" smtClean="0">
                 <a:solidFill>
                   <a:srgbClr val="C00000"/>
                 </a:solidFill>
@@ -4806,46 +4944,70 @@
           </a:p>
           <a:p>
             <a:r>
-              <a:rPr lang="en-US" smtClean="0"/>
+              <a:rPr lang="en-US" dirty="0" smtClean="0"/>
               <a:t>Then, clone the repo: </a:t>
             </a:r>
             <a:r>
-              <a:rPr lang="en-US" smtClean="0">
+              <a:rPr lang="en-US" dirty="0" err="1" smtClean="0">
                 <a:solidFill>
                   <a:srgbClr val="C00000"/>
                 </a:solidFill>
               </a:rPr>
-              <a:t>git clone &lt;URL&gt;</a:t>
+              <a:t>git</a:t>
+            </a:r>
+            <a:r>
+              <a:rPr lang="en-US" dirty="0" smtClean="0">
+                <a:solidFill>
+                  <a:srgbClr val="C00000"/>
+                </a:solidFill>
+              </a:rPr>
+              <a:t> clone &lt;URL&gt;</a:t>
             </a:r>
           </a:p>
           <a:p>
             <a:pPr lvl="1"/>
             <a:r>
-              <a:rPr lang="en-US" smtClean="0"/>
-              <a:t>Get HTTPS or SSH URL from GitHub (ends in .git)</a:t>
+              <a:rPr lang="en-US" dirty="0" smtClean="0"/>
+              <a:t>Get HTTPS or SSH URL from </a:t>
+            </a:r>
+            <a:r>
+              <a:rPr lang="en-US" dirty="0" err="1" smtClean="0"/>
+              <a:t>GitHub</a:t>
+            </a:r>
+            <a:r>
+              <a:rPr lang="en-US" dirty="0" smtClean="0"/>
+              <a:t> (ends in .</a:t>
+            </a:r>
+            <a:r>
+              <a:rPr lang="en-US" dirty="0" err="1" smtClean="0"/>
+              <a:t>git</a:t>
+            </a:r>
+            <a:r>
+              <a:rPr lang="en-US" dirty="0" smtClean="0"/>
+              <a:t>)</a:t>
             </a:r>
           </a:p>
           <a:p>
             <a:pPr lvl="1"/>
             <a:r>
-              <a:rPr lang="en-US" smtClean="0"/>
+              <a:rPr lang="en-US" dirty="0" smtClean="0"/>
               <a:t>Clones to a subdirectory of the working directory</a:t>
             </a:r>
           </a:p>
           <a:p>
             <a:pPr lvl="1"/>
             <a:r>
-              <a:rPr lang="en-US" smtClean="0"/>
+              <a:rPr lang="en-US" dirty="0" smtClean="0"/>
               <a:t>No visual feedback when you type your password</a:t>
             </a:r>
           </a:p>
           <a:p>
             <a:r>
-              <a:rPr lang="en-US" smtClean="0"/>
+              <a:rPr lang="en-US" dirty="0" smtClean="0"/>
               <a:t>Navigate to the repo (</a:t>
             </a:r>
             <a:r>
-              <a:rPr lang="en-US" smtClean="0">
+              <a:rPr lang="en-US" dirty="0" smtClean="0">
                 <a:solidFill>
                   <a:srgbClr val="C00000"/>
                 </a:solidFill>
@@ -4853,11 +5015,11 @@
               <a:t>cd</a:t>
             </a:r>
             <a:r>
-              <a:rPr lang="en-US" smtClean="0"/>
+              <a:rPr lang="en-US" dirty="0" smtClean="0"/>
               <a:t>) then list the files (</a:t>
             </a:r>
             <a:r>
-              <a:rPr lang="en-US" smtClean="0">
+              <a:rPr lang="en-US" dirty="0" err="1" smtClean="0">
                 <a:solidFill>
                   <a:srgbClr val="C00000"/>
                 </a:solidFill>
@@ -4865,7 +5027,7 @@
               <a:t>ls</a:t>
             </a:r>
             <a:r>
-              <a:rPr lang="en-US" smtClean="0"/>
+              <a:rPr lang="en-US" dirty="0" smtClean="0"/>
               <a:t>)</a:t>
             </a:r>
           </a:p>
@@ -5206,25 +5368,33 @@
           <a:lstStyle/>
           <a:p>
             <a:r>
-              <a:rPr lang="en-US" smtClean="0"/>
+              <a:rPr lang="en-US" dirty="0" smtClean="0"/>
               <a:t>Making changes:</a:t>
             </a:r>
           </a:p>
           <a:p>
             <a:pPr lvl="1"/>
             <a:r>
-              <a:rPr lang="en-US" smtClean="0"/>
-              <a:t>Modify README.md in any text editor</a:t>
+              <a:rPr lang="en-US" dirty="0" smtClean="0"/>
+              <a:t>Modify </a:t>
+            </a:r>
+            <a:r>
+              <a:rPr lang="en-US" dirty="0" err="1" smtClean="0"/>
+              <a:t>README.md</a:t>
+            </a:r>
+            <a:r>
+              <a:rPr lang="en-US" dirty="0" smtClean="0"/>
+              <a:t> in any text editor</a:t>
             </a:r>
           </a:p>
           <a:p>
             <a:pPr lvl="1"/>
             <a:r>
-              <a:rPr lang="en-US" smtClean="0"/>
+              <a:rPr lang="en-US" dirty="0" smtClean="0"/>
               <a:t>Create a new file: </a:t>
             </a:r>
             <a:r>
-              <a:rPr lang="en-US" smtClean="0">
+              <a:rPr lang="en-US" dirty="0" smtClean="0">
                 <a:solidFill>
                   <a:srgbClr val="C00000"/>
                 </a:solidFill>
@@ -5234,60 +5404,68 @@
           </a:p>
           <a:p>
             <a:r>
-              <a:rPr lang="en-US" smtClean="0"/>
+              <a:rPr lang="en-US" dirty="0" smtClean="0"/>
               <a:t>Check your status:</a:t>
             </a:r>
           </a:p>
           <a:p>
             <a:pPr lvl="1"/>
             <a:r>
-              <a:rPr lang="en-US" smtClean="0"/>
+              <a:rPr lang="en-US" dirty="0" smtClean="0"/>
               <a:t> </a:t>
             </a:r>
             <a:r>
-              <a:rPr lang="en-US" smtClean="0">
+              <a:rPr lang="en-US" dirty="0" err="1" smtClean="0">
                 <a:solidFill>
                   <a:srgbClr val="C00000"/>
                 </a:solidFill>
               </a:rPr>
-              <a:t>git status</a:t>
-            </a:r>
-          </a:p>
-          <a:p>
-            <a:r>
-              <a:rPr lang="en-US" smtClean="0"/>
+              <a:t>git</a:t>
+            </a:r>
+            <a:r>
+              <a:rPr lang="en-US" dirty="0" smtClean="0">
+                <a:solidFill>
+                  <a:srgbClr val="C00000"/>
+                </a:solidFill>
+              </a:rPr>
+              <a:t> status</a:t>
+            </a:r>
+          </a:p>
+          <a:p>
+            <a:r>
+              <a:rPr lang="en-US" dirty="0" smtClean="0"/>
               <a:t>File statuses (possibly color-coded):</a:t>
             </a:r>
           </a:p>
           <a:p>
             <a:pPr lvl="1"/>
             <a:r>
-              <a:rPr lang="en-US" smtClean="0"/>
+              <a:rPr lang="en-US" dirty="0" smtClean="0"/>
               <a:t>Untracked (red)</a:t>
             </a:r>
           </a:p>
           <a:p>
             <a:pPr lvl="1"/>
             <a:r>
-              <a:rPr lang="en-US" smtClean="0"/>
+              <a:rPr lang="en-US" dirty="0" smtClean="0"/>
               <a:t>Tracked and modified (red)</a:t>
             </a:r>
           </a:p>
           <a:p>
             <a:pPr lvl="1"/>
             <a:r>
-              <a:rPr lang="en-US"/>
+              <a:rPr lang="en-US" dirty="0"/>
               <a:t>S</a:t>
             </a:r>
             <a:r>
-              <a:rPr lang="en-US" smtClean="0"/>
+              <a:rPr lang="en-US" dirty="0" smtClean="0"/>
               <a:t>taged for committing (green)</a:t>
             </a:r>
           </a:p>
           <a:p>
             <a:pPr lvl="1"/>
             <a:r>
-              <a:rPr lang="en-US" smtClean="0"/>
+              <a:rPr lang="en-US" dirty="0" smtClean="0"/>
               <a:t>Committed</a:t>
             </a:r>
           </a:p>
